--- a/slides/SAST DAST DevOps Experience Julho-2024.pptx
+++ b/slides/SAST DAST DevOps Experience Julho-2024.pptx
@@ -1329,7 +1329,7 @@
           <a:p>
             <a:fld id="{38EEC551-8CDA-4EB6-89BB-2A86C9F091C8}" type="datetime8">
               <a:rPr lang="en-US" smtClean="0"/>
-              <a:t>7/25/2024 1:55 PM</a:t>
+              <a:t>7/25/2024 4:22 PM</a:t>
             </a:fld>
             <a:endParaRPr lang="en-US" dirty="0"/>
           </a:p>
@@ -28351,8 +28351,25 @@
                   </a:schemeClr>
                 </a:solidFill>
               </a:rPr>
-              <a:t>Algumas soluções que envolvem licenciamento</a:t>
-            </a:r>
+              <a:t>Algumas soluções gratuitas/open </a:t>
+            </a:r>
+            <a:r>
+              <a:rPr lang="pt-BR" dirty="0" err="1">
+                <a:solidFill>
+                  <a:schemeClr val="accent3">
+                    <a:lumMod val="75000"/>
+                  </a:schemeClr>
+                </a:solidFill>
+              </a:rPr>
+              <a:t>source</a:t>
+            </a:r>
+            <a:endParaRPr lang="pt-BR" dirty="0">
+              <a:solidFill>
+                <a:schemeClr val="accent3">
+                  <a:lumMod val="75000"/>
+                </a:schemeClr>
+              </a:solidFill>
+            </a:endParaRPr>
           </a:p>
         </p:txBody>
       </p:sp>
@@ -28517,7 +28534,7 @@
         </p:blipFill>
         <p:spPr>
           <a:xfrm>
-            <a:off x="3967588" y="4842453"/>
+            <a:off x="3983299" y="4714275"/>
             <a:ext cx="3759393" cy="752514"/>
           </a:xfrm>
           <a:prstGeom prst="rect">
@@ -28525,6 +28542,303 @@
           </a:prstGeom>
         </p:spPr>
       </p:pic>
+      <p:pic>
+        <p:nvPicPr>
+          <p:cNvPr id="20" name="Imagem 19" descr="Ícone&#10;&#10;Descrição gerada automaticamente">
+            <a:extLst>
+              <a:ext uri="{FF2B5EF4-FFF2-40B4-BE49-F238E27FC236}">
+                <a16:creationId xmlns:a16="http://schemas.microsoft.com/office/drawing/2014/main" id="{33D58F61-62E6-4823-EF4A-840F28934D59}"/>
+              </a:ext>
+            </a:extLst>
+          </p:cNvPr>
+          <p:cNvPicPr>
+            <a:picLocks noChangeAspect="1"/>
+          </p:cNvPicPr>
+          <p:nvPr/>
+        </p:nvPicPr>
+        <p:blipFill>
+          <a:blip r:embed="rId8"/>
+          <a:stretch>
+            <a:fillRect/>
+          </a:stretch>
+        </p:blipFill>
+        <p:spPr>
+          <a:xfrm>
+            <a:off x="8969243" y="4000291"/>
+            <a:ext cx="1684323" cy="1684323"/>
+          </a:xfrm>
+          <a:prstGeom prst="rect">
+            <a:avLst/>
+          </a:prstGeom>
+        </p:spPr>
+      </p:pic>
+      <p:sp>
+        <p:nvSpPr>
+          <p:cNvPr id="21" name="Espaço Reservado para Texto 2">
+            <a:extLst>
+              <a:ext uri="{FF2B5EF4-FFF2-40B4-BE49-F238E27FC236}">
+                <a16:creationId xmlns:a16="http://schemas.microsoft.com/office/drawing/2014/main" id="{3735D0C2-0666-3FB2-05A2-C921FEF825D1}"/>
+              </a:ext>
+            </a:extLst>
+          </p:cNvPr>
+          <p:cNvSpPr txBox="1">
+            <a:spLocks/>
+          </p:cNvSpPr>
+          <p:nvPr/>
+        </p:nvSpPr>
+        <p:spPr>
+          <a:xfrm>
+            <a:off x="8428037" y="5772545"/>
+            <a:ext cx="2927059" cy="627864"/>
+          </a:xfrm>
+          <a:prstGeom prst="rect">
+            <a:avLst/>
+          </a:prstGeom>
+        </p:spPr>
+        <p:txBody>
+          <a:bodyPr vert="horz" wrap="square" lIns="146304" tIns="91440" rIns="146304" bIns="91440" rtlCol="0">
+            <a:spAutoFit/>
+          </a:bodyPr>
+          <a:lstStyle>
+            <a:lvl1pPr marL="0" marR="0" indent="0" algn="l" defTabSz="932742" rtl="0" eaLnBrk="1" fontAlgn="auto" latinLnBrk="0" hangingPunct="1">
+              <a:lnSpc>
+                <a:spcPct val="90000"/>
+              </a:lnSpc>
+              <a:spcBef>
+                <a:spcPct val="20000"/>
+              </a:spcBef>
+              <a:spcAft>
+                <a:spcPts val="0"/>
+              </a:spcAft>
+              <a:buClrTx/>
+              <a:buSzPct val="90000"/>
+              <a:buFont typeface="Arial" pitchFamily="34" charset="0"/>
+              <a:buNone/>
+              <a:tabLst/>
+              <a:defRPr sz="4000" kern="1200" spc="0" baseline="0">
+                <a:gradFill>
+                  <a:gsLst>
+                    <a:gs pos="1250">
+                      <a:schemeClr val="tx2"/>
+                    </a:gs>
+                    <a:gs pos="99000">
+                      <a:schemeClr val="tx2"/>
+                    </a:gs>
+                  </a:gsLst>
+                  <a:lin ang="5400000" scaled="0"/>
+                </a:gradFill>
+                <a:latin typeface="+mj-lt"/>
+                <a:ea typeface="+mn-ea"/>
+                <a:cs typeface="+mn-cs"/>
+              </a:defRPr>
+            </a:lvl1pPr>
+            <a:lvl2pPr marL="0" marR="0" indent="0" algn="l" defTabSz="932742" rtl="0" eaLnBrk="1" fontAlgn="auto" latinLnBrk="0" hangingPunct="1">
+              <a:lnSpc>
+                <a:spcPct val="90000"/>
+              </a:lnSpc>
+              <a:spcBef>
+                <a:spcPct val="20000"/>
+              </a:spcBef>
+              <a:spcAft>
+                <a:spcPts val="0"/>
+              </a:spcAft>
+              <a:buClrTx/>
+              <a:buSzPct val="90000"/>
+              <a:buFontTx/>
+              <a:buNone/>
+              <a:tabLst/>
+              <a:defRPr sz="2000" kern="1200" spc="0" baseline="0">
+                <a:gradFill>
+                  <a:gsLst>
+                    <a:gs pos="1250">
+                      <a:schemeClr val="tx1"/>
+                    </a:gs>
+                    <a:gs pos="100000">
+                      <a:schemeClr val="tx1"/>
+                    </a:gs>
+                  </a:gsLst>
+                  <a:lin ang="5400000" scaled="0"/>
+                </a:gradFill>
+                <a:latin typeface="+mn-lt"/>
+                <a:ea typeface="+mn-ea"/>
+                <a:cs typeface="+mn-cs"/>
+              </a:defRPr>
+            </a:lvl2pPr>
+            <a:lvl3pPr marL="228600" marR="0" indent="0" algn="l" defTabSz="932742" rtl="0" eaLnBrk="1" fontAlgn="auto" latinLnBrk="0" hangingPunct="1">
+              <a:lnSpc>
+                <a:spcPct val="90000"/>
+              </a:lnSpc>
+              <a:spcBef>
+                <a:spcPct val="20000"/>
+              </a:spcBef>
+              <a:spcAft>
+                <a:spcPts val="0"/>
+              </a:spcAft>
+              <a:buClrTx/>
+              <a:buSzPct val="90000"/>
+              <a:buFont typeface="Arial" pitchFamily="34" charset="0"/>
+              <a:buNone/>
+              <a:tabLst/>
+              <a:defRPr sz="2000" kern="1200" spc="0" baseline="0">
+                <a:gradFill>
+                  <a:gsLst>
+                    <a:gs pos="1250">
+                      <a:schemeClr val="tx1"/>
+                    </a:gs>
+                    <a:gs pos="100000">
+                      <a:schemeClr val="tx1"/>
+                    </a:gs>
+                  </a:gsLst>
+                  <a:lin ang="5400000" scaled="0"/>
+                </a:gradFill>
+                <a:latin typeface="+mn-lt"/>
+                <a:ea typeface="+mn-ea"/>
+                <a:cs typeface="+mn-cs"/>
+              </a:defRPr>
+            </a:lvl3pPr>
+            <a:lvl4pPr marL="457200" marR="0" indent="0" algn="l" defTabSz="932742" rtl="0" eaLnBrk="1" fontAlgn="auto" latinLnBrk="0" hangingPunct="1">
+              <a:lnSpc>
+                <a:spcPct val="90000"/>
+              </a:lnSpc>
+              <a:spcBef>
+                <a:spcPct val="20000"/>
+              </a:spcBef>
+              <a:spcAft>
+                <a:spcPts val="0"/>
+              </a:spcAft>
+              <a:buClrTx/>
+              <a:buSzPct val="90000"/>
+              <a:buFont typeface="Arial" pitchFamily="34" charset="0"/>
+              <a:buNone/>
+              <a:tabLst/>
+              <a:defRPr sz="1800" kern="1200" spc="0" baseline="0">
+                <a:gradFill>
+                  <a:gsLst>
+                    <a:gs pos="1250">
+                      <a:schemeClr val="tx1"/>
+                    </a:gs>
+                    <a:gs pos="100000">
+                      <a:schemeClr val="tx1"/>
+                    </a:gs>
+                  </a:gsLst>
+                  <a:lin ang="5400000" scaled="0"/>
+                </a:gradFill>
+                <a:latin typeface="+mn-lt"/>
+                <a:ea typeface="+mn-ea"/>
+                <a:cs typeface="+mn-cs"/>
+              </a:defRPr>
+            </a:lvl4pPr>
+            <a:lvl5pPr marL="685800" marR="0" indent="0" algn="l" defTabSz="932742" rtl="0" eaLnBrk="1" fontAlgn="auto" latinLnBrk="0" hangingPunct="1">
+              <a:lnSpc>
+                <a:spcPct val="90000"/>
+              </a:lnSpc>
+              <a:spcBef>
+                <a:spcPct val="20000"/>
+              </a:spcBef>
+              <a:spcAft>
+                <a:spcPts val="0"/>
+              </a:spcAft>
+              <a:buClrTx/>
+              <a:buSzPct val="90000"/>
+              <a:buFont typeface="Arial" pitchFamily="34" charset="0"/>
+              <a:buNone/>
+              <a:tabLst/>
+              <a:defRPr sz="1800" kern="1200" spc="0" baseline="0">
+                <a:gradFill>
+                  <a:gsLst>
+                    <a:gs pos="1250">
+                      <a:schemeClr val="tx1"/>
+                    </a:gs>
+                    <a:gs pos="100000">
+                      <a:schemeClr val="tx1"/>
+                    </a:gs>
+                  </a:gsLst>
+                  <a:lin ang="5400000" scaled="0"/>
+                </a:gradFill>
+                <a:latin typeface="+mn-lt"/>
+                <a:ea typeface="+mn-ea"/>
+                <a:cs typeface="+mn-cs"/>
+              </a:defRPr>
+            </a:lvl5pPr>
+            <a:lvl6pPr marL="2565040" indent="-233186" algn="l" defTabSz="932742" rtl="0" eaLnBrk="1" latinLnBrk="0" hangingPunct="1">
+              <a:spcBef>
+                <a:spcPct val="20000"/>
+              </a:spcBef>
+              <a:buFont typeface="Arial" pitchFamily="34" charset="0"/>
+              <a:buChar char="•"/>
+              <a:defRPr sz="2000" kern="1200">
+                <a:solidFill>
+                  <a:schemeClr val="tx1"/>
+                </a:solidFill>
+                <a:latin typeface="+mn-lt"/>
+                <a:ea typeface="+mn-ea"/>
+                <a:cs typeface="+mn-cs"/>
+              </a:defRPr>
+            </a:lvl6pPr>
+            <a:lvl7pPr marL="3031412" indent="-233186" algn="l" defTabSz="932742" rtl="0" eaLnBrk="1" latinLnBrk="0" hangingPunct="1">
+              <a:spcBef>
+                <a:spcPct val="20000"/>
+              </a:spcBef>
+              <a:buFont typeface="Arial" pitchFamily="34" charset="0"/>
+              <a:buChar char="•"/>
+              <a:defRPr sz="2000" kern="1200">
+                <a:solidFill>
+                  <a:schemeClr val="tx1"/>
+                </a:solidFill>
+                <a:latin typeface="+mn-lt"/>
+                <a:ea typeface="+mn-ea"/>
+                <a:cs typeface="+mn-cs"/>
+              </a:defRPr>
+            </a:lvl7pPr>
+            <a:lvl8pPr marL="3497783" indent="-233186" algn="l" defTabSz="932742" rtl="0" eaLnBrk="1" latinLnBrk="0" hangingPunct="1">
+              <a:spcBef>
+                <a:spcPct val="20000"/>
+              </a:spcBef>
+              <a:buFont typeface="Arial" pitchFamily="34" charset="0"/>
+              <a:buChar char="•"/>
+              <a:defRPr sz="2000" kern="1200">
+                <a:solidFill>
+                  <a:schemeClr val="tx1"/>
+                </a:solidFill>
+                <a:latin typeface="+mn-lt"/>
+                <a:ea typeface="+mn-ea"/>
+                <a:cs typeface="+mn-cs"/>
+              </a:defRPr>
+            </a:lvl8pPr>
+            <a:lvl9pPr marL="3964155" indent="-233186" algn="l" defTabSz="932742" rtl="0" eaLnBrk="1" latinLnBrk="0" hangingPunct="1">
+              <a:spcBef>
+                <a:spcPct val="20000"/>
+              </a:spcBef>
+              <a:buFont typeface="Arial" pitchFamily="34" charset="0"/>
+              <a:buChar char="•"/>
+              <a:defRPr sz="2000" kern="1200">
+                <a:solidFill>
+                  <a:schemeClr val="tx1"/>
+                </a:solidFill>
+                <a:latin typeface="+mn-lt"/>
+                <a:ea typeface="+mn-ea"/>
+                <a:cs typeface="+mn-cs"/>
+              </a:defRPr>
+            </a:lvl9pPr>
+          </a:lstStyle>
+          <a:p>
+            <a:pPr algn="ctr"/>
+            <a:r>
+              <a:rPr lang="pt-BR" sz="3200" b="1" dirty="0">
+                <a:solidFill>
+                  <a:srgbClr val="494949"/>
+                </a:solidFill>
+              </a:rPr>
+              <a:t>ZAP</a:t>
+            </a:r>
+            <a:endParaRPr lang="pt-BR" sz="3200" dirty="0">
+              <a:solidFill>
+                <a:srgbClr val="494949"/>
+              </a:solidFill>
+            </a:endParaRPr>
+          </a:p>
+        </p:txBody>
+      </p:sp>
     </p:spTree>
     <p:extLst>
       <p:ext uri="{BB962C8B-B14F-4D97-AF65-F5344CB8AC3E}">
